--- a/FormationHameçonange.pptx
+++ b/FormationHameçonange.pptx
@@ -311,7 +311,7 @@
             <a:fld id="{11A6662E-FAF4-44BC-88B5-85A7CBFB6D30}" type="datetime1">
               <a:rPr lang="en-US" smtClean="0"/>
               <a:pPr/>
-              <a:t>5/11/2023</a:t>
+              <a:t>5/24/2023</a:t>
             </a:fld>
             <a:endParaRPr lang="en-US"/>
           </a:p>
@@ -538,7 +538,7 @@
           <a:p>
             <a:fld id="{4C559632-1575-4E14-B53B-3DC3D5ED3947}" type="datetime1">
               <a:rPr lang="en-US" smtClean="0"/>
-              <a:t>5/11/2023</a:t>
+              <a:t>5/24/2023</a:t>
             </a:fld>
             <a:endParaRPr lang="en-US"/>
           </a:p>
@@ -746,7 +746,7 @@
           <a:p>
             <a:fld id="{CC4A6868-2568-4CC9-B302-F37117B01A6E}" type="datetime1">
               <a:rPr lang="en-US" smtClean="0"/>
-              <a:t>5/11/2023</a:t>
+              <a:t>5/24/2023</a:t>
             </a:fld>
             <a:endParaRPr lang="en-US"/>
           </a:p>
@@ -949,7 +949,7 @@
           <a:p>
             <a:fld id="{0055F08A-1E71-4B2B-BB49-E743F2903911}" type="datetime1">
               <a:rPr lang="en-US" smtClean="0"/>
-              <a:t>5/11/2023</a:t>
+              <a:t>5/24/2023</a:t>
             </a:fld>
             <a:endParaRPr lang="en-US"/>
           </a:p>
@@ -1222,7 +1222,7 @@
           <a:p>
             <a:fld id="{15417D9E-721A-44BB-8863-9873FE64DA75}" type="datetime1">
               <a:rPr lang="en-US" smtClean="0"/>
-              <a:t>5/11/2023</a:t>
+              <a:t>5/24/2023</a:t>
             </a:fld>
             <a:endParaRPr lang="en-US"/>
           </a:p>
@@ -1492,7 +1492,7 @@
           <a:p>
             <a:fld id="{5F31DA2F-80B8-49CF-99FB-5ABCA53A607A}" type="datetime1">
               <a:rPr lang="en-US" smtClean="0"/>
-              <a:t>5/11/2023</a:t>
+              <a:t>5/24/2023</a:t>
             </a:fld>
             <a:endParaRPr lang="en-US"/>
           </a:p>
@@ -1904,7 +1904,7 @@
           <a:p>
             <a:fld id="{28852172-E6C9-4B6C-929A-A9DE3837BBF1}" type="datetime1">
               <a:rPr lang="en-US" smtClean="0"/>
-              <a:t>5/11/2023</a:t>
+              <a:t>5/24/2023</a:t>
             </a:fld>
             <a:endParaRPr lang="en-US"/>
           </a:p>
@@ -2055,7 +2055,7 @@
           <a:p>
             <a:fld id="{3AB41CFF-90C9-47B3-9DA1-F2BF8D839F7E}" type="datetime1">
               <a:rPr lang="en-US" smtClean="0"/>
-              <a:t>5/11/2023</a:t>
+              <a:t>5/24/2023</a:t>
             </a:fld>
             <a:endParaRPr lang="en-US"/>
           </a:p>
@@ -2168,7 +2168,7 @@
           <a:p>
             <a:fld id="{F06048FA-06AB-4884-A69B-986B96E68A24}" type="datetime1">
               <a:rPr lang="en-US" smtClean="0"/>
-              <a:t>5/11/2023</a:t>
+              <a:t>5/24/2023</a:t>
             </a:fld>
             <a:endParaRPr lang="en-US"/>
           </a:p>
@@ -2479,7 +2479,7 @@
           <a:p>
             <a:fld id="{50DB7ABA-0172-4F9C-889D-567164F66BCD}" type="datetime1">
               <a:rPr lang="en-US" smtClean="0"/>
-              <a:t>5/11/2023</a:t>
+              <a:t>5/24/2023</a:t>
             </a:fld>
             <a:endParaRPr lang="en-US"/>
           </a:p>
@@ -2770,7 +2770,7 @@
           <a:p>
             <a:fld id="{78AC6A5B-8AE7-4A41-B5A7-9ADC6686DC18}" type="datetime1">
               <a:rPr lang="en-US" smtClean="0"/>
-              <a:t>5/11/2023</a:t>
+              <a:t>5/24/2023</a:t>
             </a:fld>
             <a:endParaRPr lang="en-US"/>
           </a:p>
@@ -3079,7 +3079,7 @@
             <a:fld id="{57E0CF6C-748E-4B7A-BC8B-3011EF78ED13}" type="datetime1">
               <a:rPr lang="en-US" smtClean="0"/>
               <a:pPr/>
-              <a:t>5/11/2023</a:t>
+              <a:t>5/24/2023</a:t>
             </a:fld>
             <a:endParaRPr lang="en-US"/>
           </a:p>
